--- a/files/UX-Case-Kasvihuonetuki.pptx
+++ b/files/UX-Case-Kasvihuonetuki.pptx
@@ -3468,7 +3468,7 @@
               <a:t> </a:t>
             </a:r>
             <a:r>
-              <a:rPr lang="fi-FI"/>
+              <a:rPr lang="fi-FI" dirty="0" err="1"/>
               <a:t>subsidy</a:t>
             </a:r>
             <a:endParaRPr lang="fi-FI" dirty="0"/>

--- a/files/UX-Case-Kasvihuonetuki.pptx
+++ b/files/UX-Case-Kasvihuonetuki.pptx
@@ -7,8 +7,7 @@
   <p:sldIdLst>
     <p:sldId id="256" r:id="rId2"/>
     <p:sldId id="300" r:id="rId3"/>
-    <p:sldId id="303" r:id="rId4"/>
-    <p:sldId id="301" r:id="rId5"/>
+    <p:sldId id="301" r:id="rId4"/>
   </p:sldIdLst>
   <p:sldSz cx="12192000" cy="6858000"/>
   <p:notesSz cx="6858000" cy="9144000"/>
@@ -275,7 +274,7 @@
           <a:p>
             <a:fld id="{E044AC02-83C1-6042-9D72-B47CE32F9A1E}" type="datetimeFigureOut">
               <a:rPr lang="fi-FI" smtClean="0"/>
-              <a:t>17.4.2018</a:t>
+              <a:t>29.5.2018</a:t>
             </a:fld>
             <a:endParaRPr lang="fi-FI"/>
           </a:p>
@@ -475,7 +474,7 @@
           <a:p>
             <a:fld id="{E044AC02-83C1-6042-9D72-B47CE32F9A1E}" type="datetimeFigureOut">
               <a:rPr lang="fi-FI" smtClean="0"/>
-              <a:t>17.4.2018</a:t>
+              <a:t>29.5.2018</a:t>
             </a:fld>
             <a:endParaRPr lang="fi-FI"/>
           </a:p>
@@ -685,7 +684,7 @@
           <a:p>
             <a:fld id="{E044AC02-83C1-6042-9D72-B47CE32F9A1E}" type="datetimeFigureOut">
               <a:rPr lang="fi-FI" smtClean="0"/>
-              <a:t>17.4.2018</a:t>
+              <a:t>29.5.2018</a:t>
             </a:fld>
             <a:endParaRPr lang="fi-FI"/>
           </a:p>
@@ -885,7 +884,7 @@
           <a:p>
             <a:fld id="{E044AC02-83C1-6042-9D72-B47CE32F9A1E}" type="datetimeFigureOut">
               <a:rPr lang="fi-FI" smtClean="0"/>
-              <a:t>17.4.2018</a:t>
+              <a:t>29.5.2018</a:t>
             </a:fld>
             <a:endParaRPr lang="fi-FI"/>
           </a:p>
@@ -1161,7 +1160,7 @@
           <a:p>
             <a:fld id="{E044AC02-83C1-6042-9D72-B47CE32F9A1E}" type="datetimeFigureOut">
               <a:rPr lang="fi-FI" smtClean="0"/>
-              <a:t>17.4.2018</a:t>
+              <a:t>29.5.2018</a:t>
             </a:fld>
             <a:endParaRPr lang="fi-FI"/>
           </a:p>
@@ -1429,7 +1428,7 @@
           <a:p>
             <a:fld id="{E044AC02-83C1-6042-9D72-B47CE32F9A1E}" type="datetimeFigureOut">
               <a:rPr lang="fi-FI" smtClean="0"/>
-              <a:t>17.4.2018</a:t>
+              <a:t>29.5.2018</a:t>
             </a:fld>
             <a:endParaRPr lang="fi-FI"/>
           </a:p>
@@ -1844,7 +1843,7 @@
           <a:p>
             <a:fld id="{E044AC02-83C1-6042-9D72-B47CE32F9A1E}" type="datetimeFigureOut">
               <a:rPr lang="fi-FI" smtClean="0"/>
-              <a:t>17.4.2018</a:t>
+              <a:t>29.5.2018</a:t>
             </a:fld>
             <a:endParaRPr lang="fi-FI"/>
           </a:p>
@@ -1986,7 +1985,7 @@
           <a:p>
             <a:fld id="{E044AC02-83C1-6042-9D72-B47CE32F9A1E}" type="datetimeFigureOut">
               <a:rPr lang="fi-FI" smtClean="0"/>
-              <a:t>17.4.2018</a:t>
+              <a:t>29.5.2018</a:t>
             </a:fld>
             <a:endParaRPr lang="fi-FI"/>
           </a:p>
@@ -2099,7 +2098,7 @@
           <a:p>
             <a:fld id="{E044AC02-83C1-6042-9D72-B47CE32F9A1E}" type="datetimeFigureOut">
               <a:rPr lang="fi-FI" smtClean="0"/>
-              <a:t>17.4.2018</a:t>
+              <a:t>29.5.2018</a:t>
             </a:fld>
             <a:endParaRPr lang="fi-FI"/>
           </a:p>
@@ -2412,7 +2411,7 @@
           <a:p>
             <a:fld id="{E044AC02-83C1-6042-9D72-B47CE32F9A1E}" type="datetimeFigureOut">
               <a:rPr lang="fi-FI" smtClean="0"/>
-              <a:t>17.4.2018</a:t>
+              <a:t>29.5.2018</a:t>
             </a:fld>
             <a:endParaRPr lang="fi-FI"/>
           </a:p>
@@ -2701,7 +2700,7 @@
           <a:p>
             <a:fld id="{E044AC02-83C1-6042-9D72-B47CE32F9A1E}" type="datetimeFigureOut">
               <a:rPr lang="fi-FI" smtClean="0"/>
-              <a:t>17.4.2018</a:t>
+              <a:t>29.5.2018</a:t>
             </a:fld>
             <a:endParaRPr lang="fi-FI"/>
           </a:p>
@@ -2944,7 +2943,7 @@
           <a:p>
             <a:fld id="{E044AC02-83C1-6042-9D72-B47CE32F9A1E}" type="datetimeFigureOut">
               <a:rPr lang="fi-FI" smtClean="0"/>
-              <a:t>17.4.2018</a:t>
+              <a:t>29.5.2018</a:t>
             </a:fld>
             <a:endParaRPr lang="fi-FI"/>
           </a:p>
@@ -3347,6 +3346,21 @@
 <file path=ppt/slides/slide1.xml><?xml version="1.0" encoding="utf-8"?>
 <p:sld xmlns:a="http://schemas.openxmlformats.org/drawingml/2006/main" xmlns:r="http://schemas.openxmlformats.org/officeDocument/2006/relationships" xmlns:p="http://schemas.openxmlformats.org/presentationml/2006/main">
   <p:cSld>
+    <p:bg>
+      <p:bgPr>
+        <a:blipFill dpi="0" rotWithShape="1">
+          <a:blip r:embed="rId2">
+            <a:alphaModFix amt="66000"/>
+            <a:lum/>
+          </a:blip>
+          <a:srcRect/>
+          <a:stretch>
+            <a:fillRect t="-11000" b="-11000"/>
+          </a:stretch>
+        </a:blipFill>
+        <a:effectLst/>
+      </p:bgPr>
+    </p:bg>
     <p:spTree>
       <p:nvGrpSpPr>
         <p:cNvPr id="1" name=""/>
@@ -3377,40 +3391,39 @@
             <p:ph type="ctrTitle"/>
           </p:nvPr>
         </p:nvSpPr>
-        <p:spPr/>
-        <p:txBody>
-          <a:bodyPr/>
-          <a:lstStyle/>
-          <a:p>
+        <p:spPr>
+          <a:xfrm>
+            <a:off x="1494972" y="1325563"/>
+            <a:ext cx="9144000" cy="1228951"/>
+          </a:xfrm>
+        </p:spPr>
+        <p:txBody>
+          <a:bodyPr>
+            <a:normAutofit fontScale="90000"/>
+          </a:bodyPr>
+          <a:lstStyle/>
+          <a:p>
+            <a:r>
+              <a:rPr lang="fi-FI" dirty="0" err="1"/>
+              <a:t>Greenhouse</a:t>
+            </a:r>
             <a:r>
               <a:rPr lang="fi-FI" dirty="0"/>
-              <a:t>Kasvihuonetuki</a:t>
-            </a:r>
-          </a:p>
-        </p:txBody>
-      </p:sp>
-      <p:sp>
-        <p:nvSpPr>
-          <p:cNvPr id="3" name="Subtitle 2">
-            <a:extLst>
-              <a:ext uri="{FF2B5EF4-FFF2-40B4-BE49-F238E27FC236}">
-                <a16:creationId xmlns:a16="http://schemas.microsoft.com/office/drawing/2014/main" id="{DC5A8B3D-E449-9145-AF3C-EF321F2F7CD3}"/>
-              </a:ext>
-            </a:extLst>
-          </p:cNvPr>
-          <p:cNvSpPr>
-            <a:spLocks noGrp="1"/>
-          </p:cNvSpPr>
-          <p:nvPr>
-            <p:ph type="subTitle" idx="1"/>
-          </p:nvPr>
-        </p:nvSpPr>
-        <p:spPr/>
-        <p:txBody>
-          <a:bodyPr/>
-          <a:lstStyle/>
-          <a:p>
-            <a:endParaRPr lang="fi-FI"/>
+              <a:t> </a:t>
+            </a:r>
+            <a:r>
+              <a:rPr lang="fi-FI" dirty="0" err="1"/>
+              <a:t>subsidy</a:t>
+            </a:r>
+            <a:r>
+              <a:rPr lang="fi-FI" dirty="0"/>
+              <a:t> UI </a:t>
+            </a:r>
+            <a:r>
+              <a:rPr lang="fi-FI" dirty="0" err="1"/>
+              <a:t>refactoring</a:t>
+            </a:r>
+            <a:endParaRPr lang="fi-FI" dirty="0"/>
           </a:p>
         </p:txBody>
       </p:sp>
@@ -3460,291 +3473,174 @@
           <a:lstStyle/>
           <a:p>
             <a:r>
-              <a:rPr lang="fi-FI" dirty="0" err="1"/>
-              <a:t>Greenhouse</a:t>
-            </a:r>
-            <a:r>
-              <a:rPr lang="fi-FI" dirty="0"/>
+              <a:rPr lang="en-GB" dirty="0"/>
+              <a:t>Greenhouse subsidy UI refactoring</a:t>
+            </a:r>
+          </a:p>
+        </p:txBody>
+      </p:sp>
+      <p:sp>
+        <p:nvSpPr>
+          <p:cNvPr id="3" name="Sisällön paikkamerkki 2"/>
+          <p:cNvSpPr>
+            <a:spLocks noGrp="1"/>
+          </p:cNvSpPr>
+          <p:nvPr>
+            <p:ph idx="1"/>
+          </p:nvPr>
+        </p:nvSpPr>
+        <p:spPr>
+          <a:xfrm>
+            <a:off x="838200" y="1825625"/>
+            <a:ext cx="10515600" cy="4749346"/>
+          </a:xfrm>
+        </p:spPr>
+        <p:txBody>
+          <a:bodyPr>
+            <a:noAutofit/>
+          </a:bodyPr>
+          <a:lstStyle/>
+          <a:p>
+            <a:pPr>
+              <a:lnSpc>
+                <a:spcPct val="100000"/>
+              </a:lnSpc>
+            </a:pPr>
+            <a:r>
+              <a:rPr lang="en-GB" sz="1400" dirty="0"/>
+              <a:t>The previous version of the service was done with </a:t>
+            </a:r>
+            <a:r>
+              <a:rPr lang="en-GB" sz="1400" dirty="0" err="1"/>
+              <a:t>JQuery</a:t>
+            </a:r>
+            <a:endParaRPr lang="en-GB" sz="1400" dirty="0"/>
+          </a:p>
+          <a:p>
+            <a:pPr>
+              <a:lnSpc>
+                <a:spcPct val="100000"/>
+              </a:lnSpc>
+            </a:pPr>
+            <a:r>
+              <a:rPr lang="en-GB" sz="1400" dirty="0"/>
+              <a:t>The goal was to make a new one with AngularJS with a better UX</a:t>
+            </a:r>
+          </a:p>
+          <a:p>
+            <a:pPr>
+              <a:lnSpc>
+                <a:spcPct val="100000"/>
+              </a:lnSpc>
+            </a:pPr>
+            <a:r>
+              <a:rPr lang="en-GB" sz="1400" dirty="0"/>
+              <a:t>First I went through all the previous material: user support websites, UI-specifications,  prototypes and user feedback of the current service</a:t>
+            </a:r>
+          </a:p>
+          <a:p>
+            <a:pPr>
+              <a:lnSpc>
+                <a:spcPct val="100000"/>
+              </a:lnSpc>
+            </a:pPr>
+            <a:r>
+              <a:rPr lang="en-GB" sz="1400" dirty="0"/>
+              <a:t>Then I designed rough layouts for the website with pen and paper</a:t>
+            </a:r>
+          </a:p>
+          <a:p>
+            <a:pPr>
+              <a:lnSpc>
+                <a:spcPct val="100000"/>
+              </a:lnSpc>
+            </a:pPr>
+            <a:r>
+              <a:rPr lang="en-GB" sz="1400" dirty="0"/>
+              <a:t>Then I designed new wireframe layouts with Sketch</a:t>
+            </a:r>
+          </a:p>
+          <a:p>
+            <a:pPr>
+              <a:lnSpc>
+                <a:spcPct val="100000"/>
+              </a:lnSpc>
+            </a:pPr>
+            <a:r>
+              <a:rPr lang="en-GB" sz="1400" dirty="0"/>
+              <a:t>Then I coded the front with the AngularJS based UI framework components</a:t>
+            </a:r>
+          </a:p>
+          <a:p>
+            <a:pPr>
+              <a:lnSpc>
+                <a:spcPct val="100000"/>
+              </a:lnSpc>
+            </a:pPr>
+            <a:r>
+              <a:rPr lang="en-GB" sz="1400" dirty="0"/>
+              <a:t>The end result was HTML and CSS layouts for the service and full UI description with pictures in Confluence</a:t>
+            </a:r>
+          </a:p>
+          <a:p>
+            <a:pPr>
+              <a:lnSpc>
+                <a:spcPct val="100000"/>
+              </a:lnSpc>
+            </a:pPr>
+            <a:r>
+              <a:rPr lang="en-GB" sz="1400" dirty="0"/>
+              <a:t>The work was done with a lot of collaboration with the customer, and design and dev teams. Also, there were many rounds of informal usability tests </a:t>
+            </a:r>
+          </a:p>
+          <a:p>
+            <a:pPr>
+              <a:lnSpc>
+                <a:spcPct val="100000"/>
+              </a:lnSpc>
+            </a:pPr>
+            <a:r>
+              <a:rPr lang="en-GB" sz="1400" dirty="0"/>
+              <a:t>Customer Quote: </a:t>
+            </a:r>
+            <a:br>
+              <a:rPr lang="en-GB" sz="1400" dirty="0"/>
+            </a:br>
+            <a:r>
+              <a:rPr lang="fi-FI" sz="1400" dirty="0"/>
+              <a:t>”</a:t>
+            </a:r>
+            <a:r>
+              <a:rPr lang="fi-FI" sz="1400" dirty="0" err="1"/>
+              <a:t>Solidabis</a:t>
+            </a:r>
+            <a:r>
+              <a:rPr lang="fi-FI" sz="1400" dirty="0"/>
+              <a:t> uudisti Kasvihuonetuen hakemisen käyttöliittymän samalla kun palvelun teknologia vaihdettiin </a:t>
+            </a:r>
+            <a:r>
+              <a:rPr lang="fi-FI" sz="1400" dirty="0" err="1"/>
+              <a:t>JQery:stä</a:t>
+            </a:r>
+            <a:r>
+              <a:rPr lang="fi-FI" sz="1400" dirty="0"/>
               <a:t> </a:t>
             </a:r>
             <a:r>
-              <a:rPr lang="fi-FI" dirty="0" err="1"/>
-              <a:t>subsidy</a:t>
-            </a:r>
-            <a:endParaRPr lang="fi-FI" dirty="0"/>
-          </a:p>
-        </p:txBody>
-      </p:sp>
-      <p:sp>
-        <p:nvSpPr>
-          <p:cNvPr id="3" name="Sisällön paikkamerkki 2"/>
-          <p:cNvSpPr>
-            <a:spLocks noGrp="1"/>
-          </p:cNvSpPr>
-          <p:nvPr>
-            <p:ph idx="1"/>
-          </p:nvPr>
-        </p:nvSpPr>
-        <p:spPr/>
-        <p:txBody>
-          <a:bodyPr>
-            <a:normAutofit/>
-          </a:bodyPr>
-          <a:lstStyle/>
-          <a:p>
-            <a:r>
-              <a:rPr lang="fi-FI" dirty="0"/>
-              <a:t>An </a:t>
-            </a:r>
-            <a:r>
-              <a:rPr lang="fi-FI" dirty="0" err="1"/>
-              <a:t>existing</a:t>
-            </a:r>
-            <a:r>
-              <a:rPr lang="fi-FI" dirty="0"/>
-              <a:t> </a:t>
-            </a:r>
-            <a:r>
-              <a:rPr lang="fi-FI" dirty="0" err="1"/>
-              <a:t>service</a:t>
-            </a:r>
-            <a:r>
-              <a:rPr lang="fi-FI" dirty="0"/>
-              <a:t> </a:t>
-            </a:r>
-            <a:r>
-              <a:rPr lang="fi-FI" dirty="0" err="1"/>
-              <a:t>done</a:t>
-            </a:r>
-            <a:r>
-              <a:rPr lang="fi-FI" dirty="0"/>
-              <a:t> with </a:t>
-            </a:r>
-            <a:r>
-              <a:rPr lang="fi-FI" dirty="0" err="1"/>
-              <a:t>JQuery</a:t>
-            </a:r>
-            <a:endParaRPr lang="fi-FI" dirty="0"/>
-          </a:p>
-          <a:p>
-            <a:r>
-              <a:rPr lang="fi-FI" dirty="0" err="1"/>
-              <a:t>First</a:t>
-            </a:r>
-            <a:r>
-              <a:rPr lang="fi-FI" dirty="0"/>
-              <a:t> </a:t>
-            </a:r>
-            <a:r>
-              <a:rPr lang="fi-FI" dirty="0" err="1"/>
-              <a:t>gone</a:t>
-            </a:r>
-            <a:r>
-              <a:rPr lang="fi-FI" dirty="0"/>
-              <a:t> </a:t>
-            </a:r>
-            <a:r>
-              <a:rPr lang="fi-FI" dirty="0" err="1"/>
-              <a:t>through</a:t>
-            </a:r>
-            <a:r>
-              <a:rPr lang="fi-FI" dirty="0"/>
-              <a:t> </a:t>
-            </a:r>
-            <a:r>
-              <a:rPr lang="fi-FI" dirty="0" err="1"/>
-              <a:t>all</a:t>
-            </a:r>
-            <a:r>
-              <a:rPr lang="fi-FI" dirty="0"/>
-              <a:t> the </a:t>
-            </a:r>
-            <a:r>
-              <a:rPr lang="fi-FI" dirty="0" err="1"/>
-              <a:t>previous</a:t>
-            </a:r>
-            <a:r>
-              <a:rPr lang="fi-FI" dirty="0"/>
-              <a:t> </a:t>
-            </a:r>
-            <a:r>
-              <a:rPr lang="fi-FI" dirty="0" err="1"/>
-              <a:t>material</a:t>
-            </a:r>
-            <a:r>
-              <a:rPr lang="fi-FI" dirty="0"/>
-              <a:t>: </a:t>
-            </a:r>
-            <a:r>
-              <a:rPr lang="fi-FI" dirty="0" err="1"/>
-              <a:t>user</a:t>
-            </a:r>
-            <a:r>
-              <a:rPr lang="fi-FI" dirty="0"/>
-              <a:t> </a:t>
-            </a:r>
-            <a:r>
-              <a:rPr lang="fi-FI" dirty="0" err="1"/>
-              <a:t>support</a:t>
-            </a:r>
-            <a:r>
-              <a:rPr lang="fi-FI" dirty="0"/>
-              <a:t> </a:t>
-            </a:r>
-            <a:r>
-              <a:rPr lang="fi-FI" dirty="0" err="1"/>
-              <a:t>websites</a:t>
-            </a:r>
-            <a:r>
-              <a:rPr lang="fi-FI" dirty="0"/>
-              <a:t>, UI-</a:t>
-            </a:r>
-            <a:r>
-              <a:rPr lang="fi-FI" dirty="0" err="1"/>
-              <a:t>specifications</a:t>
-            </a:r>
-            <a:r>
-              <a:rPr lang="fi-FI" dirty="0"/>
-              <a:t>,  </a:t>
-            </a:r>
-            <a:r>
-              <a:rPr lang="fi-FI" dirty="0" err="1"/>
-              <a:t>prototypes</a:t>
-            </a:r>
-            <a:r>
-              <a:rPr lang="fi-FI" dirty="0"/>
-              <a:t> and </a:t>
-            </a:r>
-            <a:r>
-              <a:rPr lang="fi-FI" dirty="0" err="1"/>
-              <a:t>user</a:t>
-            </a:r>
-            <a:r>
-              <a:rPr lang="fi-FI" dirty="0"/>
-              <a:t> feedback of the </a:t>
-            </a:r>
-            <a:r>
-              <a:rPr lang="fi-FI" dirty="0" err="1"/>
-              <a:t>current</a:t>
-            </a:r>
-            <a:r>
-              <a:rPr lang="fi-FI" dirty="0"/>
-              <a:t> </a:t>
-            </a:r>
-            <a:r>
-              <a:rPr lang="fi-FI" dirty="0" err="1"/>
-              <a:t>service</a:t>
-            </a:r>
-            <a:endParaRPr lang="fi-FI" dirty="0"/>
-          </a:p>
-          <a:p>
-            <a:r>
-              <a:rPr lang="fi-FI" dirty="0" err="1"/>
-              <a:t>Then</a:t>
-            </a:r>
-            <a:r>
-              <a:rPr lang="fi-FI" dirty="0"/>
-              <a:t> </a:t>
-            </a:r>
-            <a:r>
-              <a:rPr lang="fi-FI" dirty="0" err="1"/>
-              <a:t>designed</a:t>
-            </a:r>
-            <a:r>
-              <a:rPr lang="fi-FI" dirty="0"/>
-              <a:t> the box </a:t>
-            </a:r>
-            <a:r>
-              <a:rPr lang="fi-FI" dirty="0" err="1"/>
-              <a:t>layouts</a:t>
-            </a:r>
-            <a:endParaRPr lang="fi-FI" dirty="0"/>
-          </a:p>
-          <a:p>
-            <a:r>
-              <a:rPr lang="fi-FI" dirty="0" err="1"/>
-              <a:t>Then</a:t>
-            </a:r>
-            <a:r>
-              <a:rPr lang="fi-FI" dirty="0"/>
-              <a:t> </a:t>
-            </a:r>
-            <a:r>
-              <a:rPr lang="fi-FI" dirty="0" err="1"/>
-              <a:t>designed</a:t>
-            </a:r>
-            <a:r>
-              <a:rPr lang="fi-FI" dirty="0"/>
-              <a:t> the new </a:t>
-            </a:r>
-            <a:r>
-              <a:rPr lang="fi-FI" dirty="0" err="1"/>
-              <a:t>layouts</a:t>
-            </a:r>
-            <a:r>
-              <a:rPr lang="fi-FI" dirty="0"/>
-              <a:t> with </a:t>
-            </a:r>
-            <a:r>
-              <a:rPr lang="fi-FI" dirty="0" err="1"/>
-              <a:t>Sketch</a:t>
-            </a:r>
-            <a:endParaRPr lang="fi-FI" dirty="0"/>
-          </a:p>
-          <a:p>
-            <a:r>
-              <a:rPr lang="fi-FI" dirty="0" err="1"/>
-              <a:t>Then</a:t>
-            </a:r>
-            <a:r>
-              <a:rPr lang="fi-FI" dirty="0"/>
-              <a:t> </a:t>
-            </a:r>
-            <a:r>
-              <a:rPr lang="fi-FI" dirty="0" err="1"/>
-              <a:t>codeed</a:t>
-            </a:r>
-            <a:r>
-              <a:rPr lang="fi-FI" dirty="0"/>
-              <a:t> the </a:t>
-            </a:r>
-            <a:r>
-              <a:rPr lang="fi-FI" dirty="0" err="1"/>
-              <a:t>front</a:t>
-            </a:r>
-            <a:r>
-              <a:rPr lang="fi-FI" dirty="0"/>
-              <a:t> with the </a:t>
-            </a:r>
-            <a:r>
-              <a:rPr lang="fi-FI" dirty="0" err="1"/>
-              <a:t>AngularJS</a:t>
-            </a:r>
-            <a:r>
-              <a:rPr lang="fi-FI" dirty="0"/>
-              <a:t> </a:t>
-            </a:r>
-            <a:r>
-              <a:rPr lang="fi-FI" dirty="0" err="1"/>
-              <a:t>based</a:t>
-            </a:r>
-            <a:r>
-              <a:rPr lang="fi-FI" dirty="0"/>
-              <a:t> UI </a:t>
-            </a:r>
-            <a:r>
-              <a:rPr lang="fi-FI" dirty="0" err="1"/>
-              <a:t>framework</a:t>
-            </a:r>
-            <a:r>
-              <a:rPr lang="fi-FI" dirty="0"/>
-              <a:t> </a:t>
-            </a:r>
-            <a:r>
-              <a:rPr lang="fi-FI" dirty="0" err="1"/>
-              <a:t>components</a:t>
-            </a:r>
-            <a:endParaRPr lang="fi-FI" dirty="0"/>
+              <a:rPr lang="fi-FI" sz="1400" dirty="0" err="1"/>
+              <a:t>Angular:iin</a:t>
+            </a:r>
+            <a:r>
+              <a:rPr lang="fi-FI" sz="1400" dirty="0"/>
+              <a:t>. </a:t>
+            </a:r>
+            <a:br>
+              <a:rPr lang="fi-FI" sz="1400" dirty="0"/>
+            </a:br>
+            <a:r>
+              <a:rPr lang="fi-FI" sz="1400" dirty="0"/>
+              <a:t>Lopputulos on ollut paljon edellistä versiota toimintavarmempi ja käyttäjät ovat olleet tyytyväisiä uuteen versioon.”</a:t>
+            </a:r>
           </a:p>
         </p:txBody>
       </p:sp>
@@ -3778,243 +3674,30 @@
           <a:chExt cx="0" cy="0"/>
         </a:xfrm>
       </p:grpSpPr>
-      <p:sp>
-        <p:nvSpPr>
-          <p:cNvPr id="2" name="Otsikko 1"/>
-          <p:cNvSpPr>
-            <a:spLocks noGrp="1"/>
-          </p:cNvSpPr>
-          <p:nvPr>
-            <p:ph type="title"/>
-          </p:nvPr>
-        </p:nvSpPr>
-        <p:spPr/>
-        <p:txBody>
-          <a:bodyPr/>
-          <a:lstStyle/>
-          <a:p>
-            <a:r>
-              <a:rPr lang="fi-FI" dirty="0"/>
-              <a:t>Kasvihuonetuki </a:t>
-            </a:r>
-            <a:r>
-              <a:rPr lang="mr-IN" dirty="0"/>
-              <a:t>–</a:t>
-            </a:r>
-            <a:r>
-              <a:rPr lang="fi-FI" dirty="0"/>
-              <a:t> toinen kuvaus</a:t>
-            </a:r>
-          </a:p>
-        </p:txBody>
-      </p:sp>
-      <p:sp>
-        <p:nvSpPr>
-          <p:cNvPr id="3" name="Sisällön paikkamerkki 2"/>
-          <p:cNvSpPr>
-            <a:spLocks noGrp="1"/>
-          </p:cNvSpPr>
-          <p:nvPr>
-            <p:ph idx="1"/>
-          </p:nvPr>
-        </p:nvSpPr>
-        <p:spPr/>
-        <p:txBody>
-          <a:bodyPr>
-            <a:normAutofit fontScale="92500" lnSpcReduction="20000"/>
-          </a:bodyPr>
-          <a:lstStyle/>
-          <a:p>
-            <a:r>
-              <a:rPr lang="fi-FI" dirty="0"/>
-              <a:t>Vanha käyttöliittymä tehtiin kokonaan uusiksi </a:t>
-            </a:r>
-            <a:r>
-              <a:rPr lang="fi-FI" dirty="0" err="1"/>
-              <a:t>JQuery</a:t>
-            </a:r>
-            <a:r>
-              <a:rPr lang="fi-FI" dirty="0"/>
-              <a:t> </a:t>
-            </a:r>
-            <a:r>
-              <a:rPr lang="fi-FI" dirty="0" err="1"/>
-              <a:t>pohjaisesta</a:t>
-            </a:r>
-            <a:r>
-              <a:rPr lang="fi-FI" dirty="0"/>
-              <a:t> </a:t>
-            </a:r>
-            <a:r>
-              <a:rPr lang="fi-FI" dirty="0" err="1"/>
-              <a:t>Angular</a:t>
-            </a:r>
-            <a:r>
-              <a:rPr lang="fi-FI" dirty="0"/>
-              <a:t> </a:t>
-            </a:r>
-            <a:r>
-              <a:rPr lang="fi-FI" dirty="0" err="1"/>
-              <a:t>pohjaiseksi</a:t>
-            </a:r>
-            <a:endParaRPr lang="fi-FI" dirty="0"/>
-          </a:p>
-          <a:p>
-            <a:r>
-              <a:rPr lang="fi-FI" dirty="0"/>
-              <a:t>Käyttöliittymäsuunnittelussa käytiin läpi vanha toteutus ja siihen liittyvät viranomaismääräykset. Näiden pohjalta </a:t>
-            </a:r>
-            <a:r>
-              <a:rPr lang="fi-FI" dirty="0" err="1"/>
-              <a:t>Designattiin</a:t>
-            </a:r>
-            <a:r>
-              <a:rPr lang="fi-FI" dirty="0"/>
-              <a:t> ja </a:t>
-            </a:r>
-            <a:r>
-              <a:rPr lang="fi-FI" dirty="0" err="1"/>
-              <a:t>Devattiin</a:t>
-            </a:r>
-            <a:r>
-              <a:rPr lang="fi-FI" dirty="0"/>
-              <a:t> uusi käyttöliittymä joka käytti Design System komponentteja</a:t>
-            </a:r>
-          </a:p>
-          <a:p>
-            <a:r>
-              <a:rPr lang="fi-FI" dirty="0"/>
-              <a:t>Työ tehtiin iteroiden samalla testaten designeja käyttäjillä</a:t>
-            </a:r>
-          </a:p>
-          <a:p>
-            <a:r>
-              <a:rPr lang="fi-FI" dirty="0"/>
-              <a:t>Lopputuloksena oli HTML &amp; CSS design ja dokumentaatio </a:t>
-            </a:r>
-            <a:r>
-              <a:rPr lang="fi-FI" dirty="0" err="1"/>
-              <a:t>Confluence:ssa</a:t>
-            </a:r>
-            <a:endParaRPr lang="fi-FI" dirty="0"/>
-          </a:p>
-          <a:p>
-            <a:r>
-              <a:rPr lang="fi-FI" dirty="0"/>
-              <a:t>Asiakas </a:t>
-            </a:r>
-            <a:r>
-              <a:rPr lang="fi-FI" dirty="0" err="1"/>
-              <a:t>Quote</a:t>
-            </a:r>
-            <a:r>
-              <a:rPr lang="fi-FI" dirty="0"/>
-              <a:t>: </a:t>
-            </a:r>
-            <a:br>
-              <a:rPr lang="fi-FI" dirty="0"/>
-            </a:br>
-            <a:r>
-              <a:rPr lang="fi-FI" dirty="0"/>
-              <a:t>”</a:t>
-            </a:r>
-            <a:r>
-              <a:rPr lang="fi-FI" dirty="0" err="1"/>
-              <a:t>Solidabis</a:t>
-            </a:r>
-            <a:r>
-              <a:rPr lang="fi-FI" dirty="0"/>
-              <a:t> uudisti Kasvihuonetuen hakemisen käyttöliittymän samalla kun palvelun teknologia vaihdettiin </a:t>
-            </a:r>
-            <a:r>
-              <a:rPr lang="fi-FI" dirty="0" err="1"/>
-              <a:t>JQery:stä</a:t>
-            </a:r>
-            <a:r>
-              <a:rPr lang="fi-FI" dirty="0"/>
-              <a:t> </a:t>
-            </a:r>
-            <a:r>
-              <a:rPr lang="fi-FI" dirty="0" err="1"/>
-              <a:t>Angular:iin</a:t>
-            </a:r>
-            <a:r>
-              <a:rPr lang="fi-FI" dirty="0"/>
-              <a:t>. </a:t>
-            </a:r>
-            <a:br>
-              <a:rPr lang="fi-FI" dirty="0"/>
-            </a:br>
-            <a:r>
-              <a:rPr lang="fi-FI" dirty="0"/>
-              <a:t>Lopputulos on ollut paljon edellistä versiota toimintavarmempi ja käyttäjät ovat olleet tyytyväisiä uuteen versioon.”</a:t>
-            </a:r>
-          </a:p>
-          <a:p>
-            <a:endParaRPr lang="fi-FI" dirty="0"/>
-          </a:p>
-          <a:p>
-            <a:endParaRPr lang="fi-FI" dirty="0"/>
-          </a:p>
-          <a:p>
-            <a:endParaRPr lang="fi-FI" dirty="0"/>
-          </a:p>
-        </p:txBody>
-      </p:sp>
-    </p:spTree>
-    <p:extLst>
-      <p:ext uri="{BB962C8B-B14F-4D97-AF65-F5344CB8AC3E}">
-        <p14:creationId xmlns:p14="http://schemas.microsoft.com/office/powerpoint/2010/main" val="2661259377"/>
-      </p:ext>
-    </p:extLst>
-  </p:cSld>
-  <p:clrMapOvr>
-    <a:masterClrMapping/>
-  </p:clrMapOvr>
-</p:sld>
-</file>
-
-<file path=ppt/slides/slide4.xml><?xml version="1.0" encoding="utf-8"?>
-<p:sld xmlns:a="http://schemas.openxmlformats.org/drawingml/2006/main" xmlns:r="http://schemas.openxmlformats.org/officeDocument/2006/relationships" xmlns:p="http://schemas.openxmlformats.org/presentationml/2006/main">
-  <p:cSld>
-    <p:spTree>
-      <p:nvGrpSpPr>
-        <p:cNvPr id="1" name=""/>
-        <p:cNvGrpSpPr/>
-        <p:nvPr/>
-      </p:nvGrpSpPr>
-      <p:grpSpPr>
-        <a:xfrm>
-          <a:off x="0" y="0"/>
-          <a:ext cx="0" cy="0"/>
-          <a:chOff x="0" y="0"/>
-          <a:chExt cx="0" cy="0"/>
-        </a:xfrm>
-      </p:grpSpPr>
       <p:pic>
         <p:nvPicPr>
-          <p:cNvPr id="4" name="Kuva 3" descr="KHT JQuery.png"/>
+          <p:cNvPr id="3" name="Picture 2">
+            <a:extLst>
+              <a:ext uri="{FF2B5EF4-FFF2-40B4-BE49-F238E27FC236}">
+                <a16:creationId xmlns:a16="http://schemas.microsoft.com/office/drawing/2014/main" id="{B1D5D3A7-1CBB-0A41-B475-7F0EA11FE72B}"/>
+              </a:ext>
+            </a:extLst>
+          </p:cNvPr>
           <p:cNvPicPr>
             <a:picLocks noChangeAspect="1"/>
           </p:cNvPicPr>
           <p:nvPr/>
         </p:nvPicPr>
         <p:blipFill>
-          <a:blip r:embed="rId2">
-            <a:extLst>
-              <a:ext uri="{28A0092B-C50C-407E-A947-70E740481C1C}">
-                <a14:useLocalDpi xmlns:a14="http://schemas.microsoft.com/office/drawing/2010/main" val="0"/>
-              </a:ext>
-            </a:extLst>
-          </a:blip>
+          <a:blip r:embed="rId2"/>
           <a:stretch>
             <a:fillRect/>
           </a:stretch>
         </p:blipFill>
         <p:spPr>
           <a:xfrm>
-            <a:off x="1600200" y="152400"/>
-            <a:ext cx="4592648" cy="3276600"/>
+            <a:off x="246743" y="246743"/>
+            <a:ext cx="6357257" cy="4434341"/>
           </a:xfrm>
           <a:prstGeom prst="rect">
             <a:avLst/>
@@ -4023,87 +3706,28 @@
       </p:pic>
       <p:pic>
         <p:nvPicPr>
-          <p:cNvPr id="5" name="Kuva 4" descr="KHT Screen plan.jpg"/>
+          <p:cNvPr id="10" name="Picture 9">
+            <a:extLst>
+              <a:ext uri="{FF2B5EF4-FFF2-40B4-BE49-F238E27FC236}">
+                <a16:creationId xmlns:a16="http://schemas.microsoft.com/office/drawing/2014/main" id="{016206CF-3954-A341-A3DF-7FE898949E93}"/>
+              </a:ext>
+            </a:extLst>
+          </p:cNvPr>
           <p:cNvPicPr>
             <a:picLocks noChangeAspect="1"/>
           </p:cNvPicPr>
           <p:nvPr/>
         </p:nvPicPr>
         <p:blipFill>
-          <a:blip r:embed="rId3" cstate="print">
-            <a:extLst>
-              <a:ext uri="{28A0092B-C50C-407E-A947-70E740481C1C}">
-                <a14:useLocalDpi xmlns:a14="http://schemas.microsoft.com/office/drawing/2010/main" val="0"/>
-              </a:ext>
-            </a:extLst>
-          </a:blip>
-          <a:stretch>
-            <a:fillRect/>
-          </a:stretch>
-        </p:blipFill>
-        <p:spPr>
-          <a:xfrm rot="5400000">
-            <a:off x="7448550" y="628650"/>
-            <a:ext cx="3200400" cy="2400300"/>
-          </a:xfrm>
-          <a:prstGeom prst="rect">
-            <a:avLst/>
-          </a:prstGeom>
-        </p:spPr>
-      </p:pic>
-      <p:pic>
-        <p:nvPicPr>
-          <p:cNvPr id="6" name="Kuva 5" descr="KHT Sketch.png"/>
-          <p:cNvPicPr>
-            <a:picLocks noChangeAspect="1"/>
-          </p:cNvPicPr>
-          <p:nvPr/>
-        </p:nvPicPr>
-        <p:blipFill rotWithShape="1">
-          <a:blip r:embed="rId4">
-            <a:extLst>
-              <a:ext uri="{28A0092B-C50C-407E-A947-70E740481C1C}">
-                <a14:useLocalDpi xmlns:a14="http://schemas.microsoft.com/office/drawing/2010/main" val="0"/>
-              </a:ext>
-            </a:extLst>
-          </a:blip>
-          <a:srcRect b="37657"/>
-          <a:stretch/>
-        </p:blipFill>
-        <p:spPr>
-          <a:xfrm>
-            <a:off x="1676400" y="3810000"/>
-            <a:ext cx="4536022" cy="2819400"/>
-          </a:xfrm>
-          <a:prstGeom prst="rect">
-            <a:avLst/>
-          </a:prstGeom>
-        </p:spPr>
-      </p:pic>
-      <p:pic>
-        <p:nvPicPr>
-          <p:cNvPr id="7" name="Kuva 6" descr="KHT Angular.png"/>
-          <p:cNvPicPr>
-            <a:picLocks noChangeAspect="1"/>
-          </p:cNvPicPr>
-          <p:nvPr/>
-        </p:nvPicPr>
-        <p:blipFill>
-          <a:blip r:embed="rId5">
-            <a:extLst>
-              <a:ext uri="{28A0092B-C50C-407E-A947-70E740481C1C}">
-                <a14:useLocalDpi xmlns:a14="http://schemas.microsoft.com/office/drawing/2010/main" val="0"/>
-              </a:ext>
-            </a:extLst>
-          </a:blip>
+          <a:blip r:embed="rId3"/>
           <a:stretch>
             <a:fillRect/>
           </a:stretch>
         </p:blipFill>
         <p:spPr>
           <a:xfrm>
-            <a:off x="6400800" y="3810000"/>
-            <a:ext cx="4189450" cy="2661092"/>
+            <a:off x="5500915" y="2264119"/>
+            <a:ext cx="6522004" cy="4448738"/>
           </a:xfrm>
           <a:prstGeom prst="rect">
             <a:avLst/>
